--- a/Project/Whatsapp/project presentation.pptx
+++ b/Project/Whatsapp/project presentation.pptx
@@ -113,6 +113,11 @@
       </a:defRPr>
     </a:lvl9pPr>
   </p:defaultTextStyle>
+  <p:extLst>
+    <p:ext uri="{EFAFB233-063F-42B5-8137-9DF3F51BA10A}">
+      <p15:sldGuideLst xmlns:p15="http://schemas.microsoft.com/office/powerpoint/2012/main"/>
+    </p:ext>
+  </p:extLst>
 </p:presentation>
 </file>
 
@@ -263,7 +268,7 @@
           <a:p>
             <a:fld id="{EC7356DA-8919-4C51-ADD4-4FE0FA9C8C88}" type="datetimeFigureOut">
               <a:rPr lang="en-US" smtClean="0"/>
-              <a:t>5/24/2023</a:t>
+              <a:t>5/27/2023</a:t>
             </a:fld>
             <a:endParaRPr lang="en-US"/>
           </a:p>
@@ -461,7 +466,7 @@
           <a:p>
             <a:fld id="{EC7356DA-8919-4C51-ADD4-4FE0FA9C8C88}" type="datetimeFigureOut">
               <a:rPr lang="en-US" smtClean="0"/>
-              <a:t>5/24/2023</a:t>
+              <a:t>5/27/2023</a:t>
             </a:fld>
             <a:endParaRPr lang="en-US"/>
           </a:p>
@@ -669,7 +674,7 @@
           <a:p>
             <a:fld id="{EC7356DA-8919-4C51-ADD4-4FE0FA9C8C88}" type="datetimeFigureOut">
               <a:rPr lang="en-US" smtClean="0"/>
-              <a:t>5/24/2023</a:t>
+              <a:t>5/27/2023</a:t>
             </a:fld>
             <a:endParaRPr lang="en-US"/>
           </a:p>
@@ -867,7 +872,7 @@
           <a:p>
             <a:fld id="{EC7356DA-8919-4C51-ADD4-4FE0FA9C8C88}" type="datetimeFigureOut">
               <a:rPr lang="en-US" smtClean="0"/>
-              <a:t>5/24/2023</a:t>
+              <a:t>5/27/2023</a:t>
             </a:fld>
             <a:endParaRPr lang="en-US"/>
           </a:p>
@@ -1142,7 +1147,7 @@
           <a:p>
             <a:fld id="{EC7356DA-8919-4C51-ADD4-4FE0FA9C8C88}" type="datetimeFigureOut">
               <a:rPr lang="en-US" smtClean="0"/>
-              <a:t>5/24/2023</a:t>
+              <a:t>5/27/2023</a:t>
             </a:fld>
             <a:endParaRPr lang="en-US"/>
           </a:p>
@@ -1407,7 +1412,7 @@
           <a:p>
             <a:fld id="{EC7356DA-8919-4C51-ADD4-4FE0FA9C8C88}" type="datetimeFigureOut">
               <a:rPr lang="en-US" smtClean="0"/>
-              <a:t>5/24/2023</a:t>
+              <a:t>5/27/2023</a:t>
             </a:fld>
             <a:endParaRPr lang="en-US"/>
           </a:p>
@@ -1819,7 +1824,7 @@
           <a:p>
             <a:fld id="{EC7356DA-8919-4C51-ADD4-4FE0FA9C8C88}" type="datetimeFigureOut">
               <a:rPr lang="en-US" smtClean="0"/>
-              <a:t>5/24/2023</a:t>
+              <a:t>5/27/2023</a:t>
             </a:fld>
             <a:endParaRPr lang="en-US"/>
           </a:p>
@@ -1960,7 +1965,7 @@
           <a:p>
             <a:fld id="{EC7356DA-8919-4C51-ADD4-4FE0FA9C8C88}" type="datetimeFigureOut">
               <a:rPr lang="en-US" smtClean="0"/>
-              <a:t>5/24/2023</a:t>
+              <a:t>5/27/2023</a:t>
             </a:fld>
             <a:endParaRPr lang="en-US"/>
           </a:p>
@@ -2073,7 +2078,7 @@
           <a:p>
             <a:fld id="{EC7356DA-8919-4C51-ADD4-4FE0FA9C8C88}" type="datetimeFigureOut">
               <a:rPr lang="en-US" smtClean="0"/>
-              <a:t>5/24/2023</a:t>
+              <a:t>5/27/2023</a:t>
             </a:fld>
             <a:endParaRPr lang="en-US"/>
           </a:p>
@@ -2384,7 +2389,7 @@
           <a:p>
             <a:fld id="{EC7356DA-8919-4C51-ADD4-4FE0FA9C8C88}" type="datetimeFigureOut">
               <a:rPr lang="en-US" smtClean="0"/>
-              <a:t>5/24/2023</a:t>
+              <a:t>5/27/2023</a:t>
             </a:fld>
             <a:endParaRPr lang="en-US"/>
           </a:p>
@@ -2672,7 +2677,7 @@
           <a:p>
             <a:fld id="{EC7356DA-8919-4C51-ADD4-4FE0FA9C8C88}" type="datetimeFigureOut">
               <a:rPr lang="en-US" smtClean="0"/>
-              <a:t>5/24/2023</a:t>
+              <a:t>5/27/2023</a:t>
             </a:fld>
             <a:endParaRPr lang="en-US"/>
           </a:p>
@@ -2913,7 +2918,7 @@
           <a:p>
             <a:fld id="{EC7356DA-8919-4C51-ADD4-4FE0FA9C8C88}" type="datetimeFigureOut">
               <a:rPr lang="en-US" smtClean="0"/>
-              <a:t>5/24/2023</a:t>
+              <a:t>5/27/2023</a:t>
             </a:fld>
             <a:endParaRPr lang="en-US"/>
           </a:p>
@@ -5292,8 +5297,8 @@
         </p:blipFill>
         <p:spPr>
           <a:xfrm>
-            <a:off x="0" y="5116944"/>
-            <a:ext cx="5975927" cy="1739904"/>
+            <a:off x="0" y="3664914"/>
+            <a:ext cx="6054306" cy="1739904"/>
           </a:xfrm>
           <a:prstGeom prst="rect">
             <a:avLst/>
@@ -5322,8 +5327,8 @@
         </p:blipFill>
         <p:spPr>
           <a:xfrm>
-            <a:off x="6216072" y="5277797"/>
-            <a:ext cx="5975927" cy="1580203"/>
+            <a:off x="6054306" y="3664915"/>
+            <a:ext cx="6125533" cy="1739904"/>
           </a:xfrm>
           <a:prstGeom prst="rect">
             <a:avLst/>
